--- a/IPB (7-8) It is all about users.pptx
+++ b/IPB (7-8) It is all about users.pptx
@@ -13705,8 +13705,12 @@
               <a:t>create</a:t>
             </a:r>
             <a:r>
-              <a:rPr lang="pl-PL" smtClean="0"/>
-              <a:t> a good</a:t>
+              <a:rPr lang="pl-PL" dirty="0" smtClean="0"/>
+              <a:t> a </a:t>
+            </a:r>
+            <a:r>
+              <a:rPr lang="pl-PL" dirty="0" err="1" smtClean="0"/>
+              <a:t>good</a:t>
             </a:r>
             <a:r>
               <a:rPr lang="pl-PL" dirty="0" smtClean="0"/>
